--- a/02.Thermodynamic States.pptx
+++ b/02.Thermodynamic States.pptx
@@ -4486,8 +4486,8 @@
         </p:nvSpPr>
         <p:spPr>
           <a:xfrm>
-            <a:off x="3771415" y="3419752"/>
-            <a:ext cx="1326004" cy="369332"/>
+            <a:off x="3880420" y="3419752"/>
+            <a:ext cx="1107996" cy="369332"/>
           </a:xfrm>
           <a:prstGeom prst="rect">
             <a:avLst/>
@@ -4505,7 +4505,6 @@
           </a:bodyPr>
           <a:lstStyle/>
           <a:p>
-            <a:pPr algn="ctr"/>
             <a:r>
               <a:rPr lang="en-US" b="1" dirty="0">
                 <a:solidFill>
@@ -4513,7 +4512,7 @@
                 </a:solidFill>
                 <a:hlinkClick r:id="rId2"/>
               </a:rPr>
-              <a:t>Example 2</a:t>
+              <a:t>Solution</a:t>
             </a:r>
             <a:endParaRPr lang="en-US" b="1" dirty="0">
               <a:solidFill>
@@ -5862,8 +5861,8 @@
         </p:nvSpPr>
         <p:spPr>
           <a:xfrm>
-            <a:off x="3908998" y="3244334"/>
-            <a:ext cx="1326004" cy="369332"/>
+            <a:off x="4018003" y="3244334"/>
+            <a:ext cx="1107996" cy="369332"/>
           </a:xfrm>
           <a:prstGeom prst="rect">
             <a:avLst/>
@@ -5889,7 +5888,7 @@
                 </a:solidFill>
                 <a:hlinkClick r:id="rId2"/>
               </a:rPr>
-              <a:t>Example 3</a:t>
+              <a:t>Solution</a:t>
             </a:r>
             <a:endParaRPr lang="en-US" b="1" dirty="0">
               <a:solidFill>
@@ -11497,8 +11496,8 @@
         </p:nvSpPr>
         <p:spPr>
           <a:xfrm>
-            <a:off x="3771415" y="3419752"/>
-            <a:ext cx="1326004" cy="369332"/>
+            <a:off x="3880420" y="3419752"/>
+            <a:ext cx="1107996" cy="369332"/>
           </a:xfrm>
           <a:prstGeom prst="rect">
             <a:avLst/>
@@ -11524,7 +11523,7 @@
                 </a:solidFill>
                 <a:hlinkClick r:id="rId2"/>
               </a:rPr>
-              <a:t>Example 1</a:t>
+              <a:t>Solution</a:t>
             </a:r>
             <a:endParaRPr lang="en-US" b="1" dirty="0">
               <a:solidFill>
